--- a/앱 구현 예시.pptx
+++ b/앱 구현 예시.pptx
@@ -3932,7 +3932,7 @@
                   </a:schemeClr>
                 </a:solidFill>
               </a:rPr>
-              <a:t>Lecture List</a:t>
+              <a:t>Course List</a:t>
             </a:r>
           </a:p>
           <a:p>
@@ -4019,7 +4019,7 @@
                   </a:schemeClr>
                 </a:solidFill>
               </a:rPr>
-              <a:t>Course List</a:t>
+              <a:t>Tag List</a:t>
             </a:r>
           </a:p>
           <a:p>
@@ -5712,7 +5712,7 @@
         <p:spPr>
           <a:xfrm>
             <a:off x="3556238" y="6219323"/>
-            <a:ext cx="1109599" cy="215444"/>
+            <a:ext cx="1087157" cy="215444"/>
           </a:xfrm>
           <a:prstGeom prst="rect">
             <a:avLst/>
@@ -5727,7 +5727,7 @@
           <a:p>
             <a:r>
               <a:rPr lang="en-US" altLang="ko-KR" sz="800" dirty="0"/>
-              <a:t>Lecture Info Fragment</a:t>
+              <a:t>Course Info Fragment</a:t>
             </a:r>
             <a:endParaRPr lang="ko-KR" altLang="en-US" sz="800" dirty="0"/>
           </a:p>
@@ -6020,8 +6020,8 @@
         </p:nvCxnSpPr>
         <p:spPr>
           <a:xfrm flipH="1">
-            <a:off x="4111038" y="5669280"/>
-            <a:ext cx="926491" cy="550043"/>
+            <a:off x="4099817" y="5669280"/>
+            <a:ext cx="937716" cy="550043"/>
           </a:xfrm>
           <a:prstGeom prst="straightConnector1">
             <a:avLst/>
@@ -6772,13 +6772,13 @@
           <p:nvPr>
             <p:extLst>
               <p:ext uri="{D42A27DB-BD31-4B8C-83A1-F6EECF244321}">
-                <p14:modId xmlns:p14="http://schemas.microsoft.com/office/powerpoint/2010/main" val="2391611056"/>
+                <p14:modId xmlns:p14="http://schemas.microsoft.com/office/powerpoint/2010/main" val="972542804"/>
               </p:ext>
             </p:extLst>
           </p:nvPr>
         </p:nvGraphicFramePr>
         <p:xfrm>
-          <a:off x="229094" y="9439759"/>
+          <a:off x="253992" y="9392022"/>
           <a:ext cx="7758407" cy="1551843"/>
         </p:xfrm>
         <a:graphic>
@@ -7222,7 +7222,7 @@
         <p:spPr>
           <a:xfrm>
             <a:off x="5137127" y="3237852"/>
-            <a:ext cx="805029" cy="215444"/>
+            <a:ext cx="662361" cy="215444"/>
           </a:xfrm>
           <a:prstGeom prst="rect">
             <a:avLst/>
@@ -7237,7 +7237,7 @@
           <a:p>
             <a:r>
               <a:rPr lang="en-US" altLang="ko-KR" sz="800" dirty="0"/>
-              <a:t>Course </a:t>
+              <a:t>Tag </a:t>
             </a:r>
             <a:r>
               <a:rPr lang="ko-KR" altLang="en-US" sz="800" dirty="0"/>
@@ -7792,7 +7792,20 @@
                   </a:schemeClr>
                 </a:solidFill>
               </a:rPr>
-              <a:t>Course Item.xml</a:t>
+              <a:t>Tag</a:t>
+            </a:r>
+          </a:p>
+          <a:p>
+            <a:pPr algn="ctr"/>
+            <a:r>
+              <a:rPr lang="en-US" altLang="ko-KR" sz="1050" dirty="0">
+                <a:solidFill>
+                  <a:schemeClr val="accent1">
+                    <a:lumMod val="50000"/>
+                  </a:schemeClr>
+                </a:solidFill>
+              </a:rPr>
+              <a:t>Item.xml</a:t>
             </a:r>
             <a:endParaRPr lang="ko-KR" altLang="en-US" sz="1050" dirty="0">
               <a:solidFill>
@@ -8194,7 +8207,7 @@
                   <a:srgbClr val="FFFF00"/>
                 </a:highlight>
               </a:rPr>
-              <a:t>CourseList.php</a:t>
+              <a:t>TagList.php</a:t>
             </a:r>
             <a:endParaRPr lang="en-US" altLang="ko-KR" sz="800" dirty="0">
               <a:highlight>
@@ -8937,7 +8950,7 @@
                   <a:srgbClr val="FFFF00"/>
                 </a:highlight>
               </a:rPr>
-              <a:t>LectureInfo.php</a:t>
+              <a:t>CourseInfo.php</a:t>
             </a:r>
             <a:endParaRPr lang="en-US" altLang="ko-KR" sz="800" dirty="0">
               <a:highlight>
@@ -9030,6 +9043,1460 @@
           </a:p>
         </p:txBody>
       </p:sp>
+      <p:graphicFrame>
+        <p:nvGraphicFramePr>
+          <p:cNvPr id="152" name="표 151">
+            <a:extLst>
+              <a:ext uri="{FF2B5EF4-FFF2-40B4-BE49-F238E27FC236}">
+                <a16:creationId xmlns:a16="http://schemas.microsoft.com/office/drawing/2014/main" id="{11492466-5684-4942-9FFF-42D2B16C37C5}"/>
+              </a:ext>
+            </a:extLst>
+          </p:cNvPr>
+          <p:cNvGraphicFramePr>
+            <a:graphicFrameLocks noGrp="1"/>
+          </p:cNvGraphicFramePr>
+          <p:nvPr>
+            <p:extLst>
+              <p:ext uri="{D42A27DB-BD31-4B8C-83A1-F6EECF244321}">
+                <p14:modId xmlns:p14="http://schemas.microsoft.com/office/powerpoint/2010/main" val="140890928"/>
+              </p:ext>
+            </p:extLst>
+          </p:nvPr>
+        </p:nvGraphicFramePr>
+        <p:xfrm>
+          <a:off x="8244977" y="3575311"/>
+          <a:ext cx="5787674" cy="4833184"/>
+        </p:xfrm>
+        <a:graphic>
+          <a:graphicData uri="http://schemas.openxmlformats.org/drawingml/2006/table">
+            <a:tbl>
+              <a:tblPr firstRow="1" bandRow="1">
+                <a:tableStyleId>{5C22544A-7EE6-4342-B048-85BDC9FD1C3A}</a:tableStyleId>
+              </a:tblPr>
+              <a:tblGrid>
+                <a:gridCol w="1434103">
+                  <a:extLst>
+                    <a:ext uri="{9D8B030D-6E8A-4147-A177-3AD203B41FA5}">
+                      <a16:colId xmlns:a16="http://schemas.microsoft.com/office/drawing/2014/main" val="1418570455"/>
+                    </a:ext>
+                  </a:extLst>
+                </a:gridCol>
+                <a:gridCol w="1488561">
+                  <a:extLst>
+                    <a:ext uri="{9D8B030D-6E8A-4147-A177-3AD203B41FA5}">
+                      <a16:colId xmlns:a16="http://schemas.microsoft.com/office/drawing/2014/main" val="2669273729"/>
+                    </a:ext>
+                  </a:extLst>
+                </a:gridCol>
+                <a:gridCol w="1432505">
+                  <a:extLst>
+                    <a:ext uri="{9D8B030D-6E8A-4147-A177-3AD203B41FA5}">
+                      <a16:colId xmlns:a16="http://schemas.microsoft.com/office/drawing/2014/main" val="2258024525"/>
+                    </a:ext>
+                  </a:extLst>
+                </a:gridCol>
+                <a:gridCol w="1432505">
+                  <a:extLst>
+                    <a:ext uri="{9D8B030D-6E8A-4147-A177-3AD203B41FA5}">
+                      <a16:colId xmlns:a16="http://schemas.microsoft.com/office/drawing/2014/main" val="3818948670"/>
+                    </a:ext>
+                  </a:extLst>
+                </a:gridCol>
+              </a:tblGrid>
+              <a:tr h="0">
+                <a:tc>
+                  <a:txBody>
+                    <a:bodyPr/>
+                    <a:lstStyle/>
+                    <a:p>
+                      <a:pPr latinLnBrk="1"/>
+                      <a:r>
+                        <a:rPr lang="en-US" altLang="ko-KR" sz="1100" dirty="0"/>
+                        <a:t>Activity</a:t>
+                      </a:r>
+                      <a:endParaRPr lang="ko-KR" altLang="en-US" sz="1100" dirty="0"/>
+                    </a:p>
+                  </a:txBody>
+                  <a:tcPr/>
+                </a:tc>
+                <a:tc>
+                  <a:txBody>
+                    <a:bodyPr/>
+                    <a:lstStyle/>
+                    <a:p>
+                      <a:pPr latinLnBrk="1"/>
+                      <a:r>
+                        <a:rPr lang="en-US" altLang="ko-KR" sz="1100" dirty="0" err="1"/>
+                        <a:t>Flagment</a:t>
+                      </a:r>
+                      <a:endParaRPr lang="ko-KR" altLang="en-US" sz="1100" dirty="0"/>
+                    </a:p>
+                  </a:txBody>
+                  <a:tcPr/>
+                </a:tc>
+                <a:tc>
+                  <a:txBody>
+                    <a:bodyPr/>
+                    <a:lstStyle/>
+                    <a:p>
+                      <a:pPr latinLnBrk="1"/>
+                      <a:r>
+                        <a:rPr lang="en-US" altLang="ko-KR" sz="1100" dirty="0"/>
+                        <a:t>Added class</a:t>
+                      </a:r>
+                      <a:endParaRPr lang="ko-KR" altLang="en-US" sz="1100" dirty="0"/>
+                    </a:p>
+                  </a:txBody>
+                  <a:tcPr/>
+                </a:tc>
+                <a:tc>
+                  <a:txBody>
+                    <a:bodyPr/>
+                    <a:lstStyle/>
+                    <a:p>
+                      <a:pPr latinLnBrk="1"/>
+                      <a:r>
+                        <a:rPr lang="en-US" altLang="ko-KR" sz="1100" dirty="0"/>
+                        <a:t>php</a:t>
+                      </a:r>
+                      <a:endParaRPr lang="ko-KR" altLang="en-US" sz="1100" dirty="0"/>
+                    </a:p>
+                  </a:txBody>
+                  <a:tcPr/>
+                </a:tc>
+                <a:extLst>
+                  <a:ext uri="{0D108BD9-81ED-4DB2-BD59-A6C34878D82A}">
+                    <a16:rowId xmlns:a16="http://schemas.microsoft.com/office/drawing/2014/main" val="3538897766"/>
+                  </a:ext>
+                </a:extLst>
+              </a:tr>
+              <a:tr h="274003">
+                <a:tc>
+                  <a:txBody>
+                    <a:bodyPr/>
+                    <a:lstStyle/>
+                    <a:p>
+                      <a:pPr latinLnBrk="1"/>
+                      <a:r>
+                        <a:rPr lang="en-US" altLang="ko-KR" sz="1100" dirty="0" err="1"/>
+                        <a:t>LoginActivity</a:t>
+                      </a:r>
+                      <a:endParaRPr lang="ko-KR" altLang="en-US" sz="1100" dirty="0"/>
+                    </a:p>
+                  </a:txBody>
+                  <a:tcPr/>
+                </a:tc>
+                <a:tc>
+                  <a:txBody>
+                    <a:bodyPr/>
+                    <a:lstStyle/>
+                    <a:p>
+                      <a:r>
+                        <a:rPr lang="en-US" altLang="ko-KR" sz="1100" dirty="0"/>
+                        <a:t>Main Fragment</a:t>
+                      </a:r>
+                      <a:endParaRPr lang="ko-KR" altLang="en-US" sz="1100" dirty="0"/>
+                    </a:p>
+                  </a:txBody>
+                  <a:tcPr/>
+                </a:tc>
+                <a:tc>
+                  <a:txBody>
+                    <a:bodyPr/>
+                    <a:lstStyle/>
+                    <a:p>
+                      <a:pPr marL="0" marR="0" lvl="0" indent="0" algn="l" defTabSz="811987" rtl="0" eaLnBrk="1" fontAlgn="auto" latinLnBrk="1" hangingPunct="1">
+                        <a:lnSpc>
+                          <a:spcPct val="100000"/>
+                        </a:lnSpc>
+                        <a:spcBef>
+                          <a:spcPts val="0"/>
+                        </a:spcBef>
+                        <a:spcAft>
+                          <a:spcPts val="0"/>
+                        </a:spcAft>
+                        <a:buClrTx/>
+                        <a:buSzTx/>
+                        <a:buFontTx/>
+                        <a:buNone/>
+                        <a:tabLst/>
+                        <a:defRPr/>
+                      </a:pPr>
+                      <a:endParaRPr lang="en-US" altLang="ko-KR" sz="1100" dirty="0"/>
+                    </a:p>
+                  </a:txBody>
+                  <a:tcPr/>
+                </a:tc>
+                <a:tc>
+                  <a:txBody>
+                    <a:bodyPr/>
+                    <a:lstStyle/>
+                    <a:p>
+                      <a:pPr marL="0" marR="0" lvl="0" indent="0" algn="l" defTabSz="811987" rtl="0" eaLnBrk="1" fontAlgn="auto" latinLnBrk="1" hangingPunct="1">
+                        <a:lnSpc>
+                          <a:spcPct val="100000"/>
+                        </a:lnSpc>
+                        <a:spcBef>
+                          <a:spcPts val="0"/>
+                        </a:spcBef>
+                        <a:spcAft>
+                          <a:spcPts val="0"/>
+                        </a:spcAft>
+                        <a:buClrTx/>
+                        <a:buSzTx/>
+                        <a:buFontTx/>
+                        <a:buNone/>
+                        <a:tabLst/>
+                        <a:defRPr/>
+                      </a:pPr>
+                      <a:endParaRPr lang="ko-KR" altLang="en-US" sz="1100" dirty="0"/>
+                    </a:p>
+                  </a:txBody>
+                  <a:tcPr/>
+                </a:tc>
+                <a:extLst>
+                  <a:ext uri="{0D108BD9-81ED-4DB2-BD59-A6C34878D82A}">
+                    <a16:rowId xmlns:a16="http://schemas.microsoft.com/office/drawing/2014/main" val="2906599160"/>
+                  </a:ext>
+                </a:extLst>
+              </a:tr>
+              <a:tr h="287557">
+                <a:tc>
+                  <a:txBody>
+                    <a:bodyPr/>
+                    <a:lstStyle/>
+                    <a:p>
+                      <a:pPr latinLnBrk="1"/>
+                      <a:r>
+                        <a:rPr lang="ko-KR" altLang="en-US" sz="1100" dirty="0"/>
+                        <a:t> </a:t>
+                      </a:r>
+                      <a:r>
+                        <a:rPr lang="en-US" altLang="ko-KR" sz="1100" dirty="0" err="1"/>
+                        <a:t>MainActivity</a:t>
+                      </a:r>
+                      <a:endParaRPr lang="ko-KR" altLang="en-US" sz="1100" dirty="0"/>
+                    </a:p>
+                  </a:txBody>
+                  <a:tcPr/>
+                </a:tc>
+                <a:tc>
+                  <a:txBody>
+                    <a:bodyPr/>
+                    <a:lstStyle/>
+                    <a:p>
+                      <a:r>
+                        <a:rPr lang="en-US" altLang="ko-KR" sz="1100" dirty="0" err="1"/>
+                        <a:t>LectureRoom</a:t>
+                      </a:r>
+                      <a:r>
+                        <a:rPr lang="en-US" altLang="ko-KR" sz="1100" dirty="0"/>
+                        <a:t> Fragment</a:t>
+                      </a:r>
+                      <a:endParaRPr lang="ko-KR" altLang="en-US" sz="1100" dirty="0"/>
+                    </a:p>
+                  </a:txBody>
+                  <a:tcPr/>
+                </a:tc>
+                <a:tc>
+                  <a:txBody>
+                    <a:bodyPr/>
+                    <a:lstStyle/>
+                    <a:p>
+                      <a:pPr algn="ctr"/>
+                      <a:r>
+                        <a:rPr lang="en-US" altLang="ko-KR" sz="1100" dirty="0" err="1">
+                          <a:solidFill>
+                            <a:schemeClr val="accent2">
+                              <a:lumMod val="50000"/>
+                            </a:schemeClr>
+                          </a:solidFill>
+                        </a:rPr>
+                        <a:t>recentLecture</a:t>
+                      </a:r>
+                      <a:endParaRPr lang="en-US" altLang="ko-KR" sz="1100" dirty="0">
+                        <a:solidFill>
+                          <a:schemeClr val="accent2">
+                            <a:lumMod val="50000"/>
+                          </a:schemeClr>
+                        </a:solidFill>
+                      </a:endParaRPr>
+                    </a:p>
+                    <a:p>
+                      <a:pPr algn="ctr"/>
+                      <a:r>
+                        <a:rPr lang="en-US" altLang="ko-KR" sz="1100" dirty="0">
+                          <a:solidFill>
+                            <a:schemeClr val="accent2">
+                              <a:lumMod val="50000"/>
+                            </a:schemeClr>
+                          </a:solidFill>
+                        </a:rPr>
+                        <a:t>Adapter</a:t>
+                      </a:r>
+                    </a:p>
+                    <a:p>
+                      <a:pPr algn="ctr"/>
+                      <a:r>
+                        <a:rPr lang="en-US" altLang="ko-KR" sz="1100" dirty="0">
+                          <a:solidFill>
+                            <a:schemeClr val="accent2">
+                              <a:lumMod val="50000"/>
+                            </a:schemeClr>
+                          </a:solidFill>
+                        </a:rPr>
+                        <a:t>.java</a:t>
+                      </a:r>
+                    </a:p>
+                  </a:txBody>
+                  <a:tcPr/>
+                </a:tc>
+                <a:tc>
+                  <a:txBody>
+                    <a:bodyPr/>
+                    <a:lstStyle/>
+                    <a:p>
+                      <a:pPr marL="0" marR="0" lvl="0" indent="0" algn="l" defTabSz="811987" rtl="0" eaLnBrk="1" fontAlgn="auto" latinLnBrk="1" hangingPunct="1">
+                        <a:lnSpc>
+                          <a:spcPct val="100000"/>
+                        </a:lnSpc>
+                        <a:spcBef>
+                          <a:spcPts val="0"/>
+                        </a:spcBef>
+                        <a:spcAft>
+                          <a:spcPts val="0"/>
+                        </a:spcAft>
+                        <a:buClrTx/>
+                        <a:buSzTx/>
+                        <a:buFontTx/>
+                        <a:buNone/>
+                        <a:tabLst/>
+                        <a:defRPr/>
+                      </a:pPr>
+                      <a:r>
+                        <a:rPr lang="en-US" altLang="ko-KR" sz="1100" dirty="0" err="1">
+                          <a:highlight>
+                            <a:srgbClr val="FFFF00"/>
+                          </a:highlight>
+                        </a:rPr>
+                        <a:t>LectureRoom.php</a:t>
+                      </a:r>
+                      <a:endParaRPr lang="en-US" altLang="ko-KR" sz="1100" dirty="0">
+                        <a:highlight>
+                          <a:srgbClr val="FFFF00"/>
+                        </a:highlight>
+                      </a:endParaRPr>
+                    </a:p>
+                    <a:p>
+                      <a:pPr marL="0" marR="0" lvl="0" indent="0" algn="l" defTabSz="811987" rtl="0" eaLnBrk="1" fontAlgn="auto" latinLnBrk="1" hangingPunct="1">
+                        <a:lnSpc>
+                          <a:spcPct val="100000"/>
+                        </a:lnSpc>
+                        <a:spcBef>
+                          <a:spcPts val="0"/>
+                        </a:spcBef>
+                        <a:spcAft>
+                          <a:spcPts val="0"/>
+                        </a:spcAft>
+                        <a:buClrTx/>
+                        <a:buSzTx/>
+                        <a:buFontTx/>
+                        <a:buNone/>
+                        <a:tabLst/>
+                        <a:defRPr/>
+                      </a:pPr>
+                      <a:r>
+                        <a:rPr lang="en-US" altLang="ko-KR" sz="1100" dirty="0" err="1">
+                          <a:highlight>
+                            <a:srgbClr val="FFFF00"/>
+                          </a:highlight>
+                        </a:rPr>
+                        <a:t>recentLectureList.php</a:t>
+                      </a:r>
+                      <a:endParaRPr lang="en-US" altLang="ko-KR" sz="1100" dirty="0">
+                        <a:highlight>
+                          <a:srgbClr val="FFFF00"/>
+                        </a:highlight>
+                      </a:endParaRPr>
+                    </a:p>
+                  </a:txBody>
+                  <a:tcPr/>
+                </a:tc>
+                <a:extLst>
+                  <a:ext uri="{0D108BD9-81ED-4DB2-BD59-A6C34878D82A}">
+                    <a16:rowId xmlns:a16="http://schemas.microsoft.com/office/drawing/2014/main" val="2596413115"/>
+                  </a:ext>
+                </a:extLst>
+              </a:tr>
+              <a:tr h="289243">
+                <a:tc>
+                  <a:txBody>
+                    <a:bodyPr/>
+                    <a:lstStyle/>
+                    <a:p>
+                      <a:pPr latinLnBrk="1"/>
+                      <a:endParaRPr lang="ko-KR" altLang="en-US" sz="1100" dirty="0"/>
+                    </a:p>
+                  </a:txBody>
+                  <a:tcPr/>
+                </a:tc>
+                <a:tc>
+                  <a:txBody>
+                    <a:bodyPr/>
+                    <a:lstStyle/>
+                    <a:p>
+                      <a:r>
+                        <a:rPr lang="en-US" altLang="ko-KR" sz="1100" dirty="0"/>
+                        <a:t>List Fragment</a:t>
+                      </a:r>
+                      <a:endParaRPr lang="ko-KR" altLang="en-US" sz="1100" dirty="0"/>
+                    </a:p>
+                  </a:txBody>
+                  <a:tcPr/>
+                </a:tc>
+                <a:tc>
+                  <a:txBody>
+                    <a:bodyPr/>
+                    <a:lstStyle/>
+                    <a:p>
+                      <a:pPr algn="ctr"/>
+                      <a:r>
+                        <a:rPr lang="en-US" altLang="ko-KR" sz="1100" dirty="0">
+                          <a:solidFill>
+                            <a:schemeClr val="accent2">
+                              <a:lumMod val="50000"/>
+                            </a:schemeClr>
+                          </a:solidFill>
+                        </a:rPr>
+                        <a:t>Tag List</a:t>
+                      </a:r>
+                    </a:p>
+                    <a:p>
+                      <a:pPr algn="ctr"/>
+                      <a:r>
+                        <a:rPr lang="en-US" altLang="ko-KR" sz="1100" dirty="0">
+                          <a:solidFill>
+                            <a:schemeClr val="accent2">
+                              <a:lumMod val="50000"/>
+                            </a:schemeClr>
+                          </a:solidFill>
+                        </a:rPr>
+                        <a:t>Adapter</a:t>
+                      </a:r>
+                    </a:p>
+                    <a:p>
+                      <a:pPr algn="ctr"/>
+                      <a:r>
+                        <a:rPr lang="en-US" altLang="ko-KR" sz="1100" dirty="0">
+                          <a:solidFill>
+                            <a:schemeClr val="accent2">
+                              <a:lumMod val="50000"/>
+                            </a:schemeClr>
+                          </a:solidFill>
+                        </a:rPr>
+                        <a:t>.java</a:t>
+                      </a:r>
+                    </a:p>
+                    <a:p>
+                      <a:pPr algn="ctr"/>
+                      <a:endParaRPr lang="en-US" altLang="ko-KR" sz="1100" dirty="0">
+                        <a:solidFill>
+                          <a:schemeClr val="accent2">
+                            <a:lumMod val="50000"/>
+                          </a:schemeClr>
+                        </a:solidFill>
+                      </a:endParaRPr>
+                    </a:p>
+                    <a:p>
+                      <a:pPr algn="ctr"/>
+                      <a:r>
+                        <a:rPr lang="en-US" altLang="ko-KR" sz="1100" dirty="0">
+                          <a:solidFill>
+                            <a:schemeClr val="accent2">
+                              <a:lumMod val="50000"/>
+                            </a:schemeClr>
+                          </a:solidFill>
+                        </a:rPr>
+                        <a:t>Course List</a:t>
+                      </a:r>
+                    </a:p>
+                    <a:p>
+                      <a:pPr algn="ctr"/>
+                      <a:r>
+                        <a:rPr lang="en-US" altLang="ko-KR" sz="1100" dirty="0">
+                          <a:solidFill>
+                            <a:schemeClr val="accent2">
+                              <a:lumMod val="50000"/>
+                            </a:schemeClr>
+                          </a:solidFill>
+                        </a:rPr>
+                        <a:t>Adapter</a:t>
+                      </a:r>
+                    </a:p>
+                    <a:p>
+                      <a:pPr algn="ctr"/>
+                      <a:r>
+                        <a:rPr lang="en-US" altLang="ko-KR" sz="1100" dirty="0">
+                          <a:solidFill>
+                            <a:schemeClr val="accent2">
+                              <a:lumMod val="50000"/>
+                            </a:schemeClr>
+                          </a:solidFill>
+                        </a:rPr>
+                        <a:t>.java</a:t>
+                      </a:r>
+                    </a:p>
+                    <a:p>
+                      <a:pPr algn="ctr"/>
+                      <a:endParaRPr lang="en-US" altLang="ko-KR" sz="1100" dirty="0">
+                        <a:solidFill>
+                          <a:schemeClr val="accent2">
+                            <a:lumMod val="50000"/>
+                          </a:schemeClr>
+                        </a:solidFill>
+                      </a:endParaRPr>
+                    </a:p>
+                    <a:p>
+                      <a:pPr algn="ctr"/>
+                      <a:r>
+                        <a:rPr lang="en-US" altLang="ko-KR" sz="1100" dirty="0">
+                          <a:solidFill>
+                            <a:schemeClr val="accent2">
+                              <a:lumMod val="50000"/>
+                            </a:schemeClr>
+                          </a:solidFill>
+                        </a:rPr>
+                        <a:t>CoP List</a:t>
+                      </a:r>
+                    </a:p>
+                    <a:p>
+                      <a:pPr algn="ctr"/>
+                      <a:r>
+                        <a:rPr lang="en-US" altLang="ko-KR" sz="1100" dirty="0">
+                          <a:solidFill>
+                            <a:schemeClr val="accent2">
+                              <a:lumMod val="50000"/>
+                            </a:schemeClr>
+                          </a:solidFill>
+                        </a:rPr>
+                        <a:t>Adapter</a:t>
+                      </a:r>
+                    </a:p>
+                    <a:p>
+                      <a:pPr algn="ctr"/>
+                      <a:r>
+                        <a:rPr lang="en-US" altLang="ko-KR" sz="1100" dirty="0">
+                          <a:solidFill>
+                            <a:schemeClr val="accent2">
+                              <a:lumMod val="50000"/>
+                            </a:schemeClr>
+                          </a:solidFill>
+                        </a:rPr>
+                        <a:t>.java</a:t>
+                      </a:r>
+                    </a:p>
+                  </a:txBody>
+                  <a:tcPr/>
+                </a:tc>
+                <a:tc>
+                  <a:txBody>
+                    <a:bodyPr/>
+                    <a:lstStyle/>
+                    <a:p>
+                      <a:pPr marL="0" marR="0" lvl="0" indent="0" algn="l" defTabSz="811987" rtl="0" eaLnBrk="1" fontAlgn="auto" latinLnBrk="1" hangingPunct="1">
+                        <a:lnSpc>
+                          <a:spcPct val="100000"/>
+                        </a:lnSpc>
+                        <a:spcBef>
+                          <a:spcPts val="0"/>
+                        </a:spcBef>
+                        <a:spcAft>
+                          <a:spcPts val="0"/>
+                        </a:spcAft>
+                        <a:buClrTx/>
+                        <a:buSzTx/>
+                        <a:buFontTx/>
+                        <a:buNone/>
+                        <a:tabLst/>
+                        <a:defRPr/>
+                      </a:pPr>
+                      <a:r>
+                        <a:rPr lang="en-US" altLang="ko-KR" sz="1100" dirty="0" err="1">
+                          <a:highlight>
+                            <a:srgbClr val="FFFF00"/>
+                          </a:highlight>
+                        </a:rPr>
+                        <a:t>TagList.php</a:t>
+                      </a:r>
+                      <a:endParaRPr lang="en-US" altLang="ko-KR" sz="1100" dirty="0">
+                        <a:highlight>
+                          <a:srgbClr val="FFFF00"/>
+                        </a:highlight>
+                      </a:endParaRPr>
+                    </a:p>
+                    <a:p>
+                      <a:pPr marL="0" marR="0" lvl="0" indent="0" algn="l" defTabSz="811987" rtl="0" eaLnBrk="1" fontAlgn="auto" latinLnBrk="1" hangingPunct="1">
+                        <a:lnSpc>
+                          <a:spcPct val="100000"/>
+                        </a:lnSpc>
+                        <a:spcBef>
+                          <a:spcPts val="0"/>
+                        </a:spcBef>
+                        <a:spcAft>
+                          <a:spcPts val="0"/>
+                        </a:spcAft>
+                        <a:buClrTx/>
+                        <a:buSzTx/>
+                        <a:buFontTx/>
+                        <a:buNone/>
+                        <a:tabLst/>
+                        <a:defRPr/>
+                      </a:pPr>
+                      <a:endParaRPr lang="en-US" altLang="ko-KR" sz="1100" dirty="0">
+                        <a:highlight>
+                          <a:srgbClr val="FFFF00"/>
+                        </a:highlight>
+                      </a:endParaRPr>
+                    </a:p>
+                    <a:p>
+                      <a:pPr marL="0" marR="0" lvl="0" indent="0" algn="l" defTabSz="811987" rtl="0" eaLnBrk="1" fontAlgn="auto" latinLnBrk="1" hangingPunct="1">
+                        <a:lnSpc>
+                          <a:spcPct val="100000"/>
+                        </a:lnSpc>
+                        <a:spcBef>
+                          <a:spcPts val="0"/>
+                        </a:spcBef>
+                        <a:spcAft>
+                          <a:spcPts val="0"/>
+                        </a:spcAft>
+                        <a:buClrTx/>
+                        <a:buSzTx/>
+                        <a:buFontTx/>
+                        <a:buNone/>
+                        <a:tabLst/>
+                        <a:defRPr/>
+                      </a:pPr>
+                      <a:endParaRPr lang="en-US" altLang="ko-KR" sz="1100" dirty="0">
+                        <a:highlight>
+                          <a:srgbClr val="FFFF00"/>
+                        </a:highlight>
+                      </a:endParaRPr>
+                    </a:p>
+                    <a:p>
+                      <a:pPr marL="0" marR="0" lvl="0" indent="0" algn="l" defTabSz="811987" rtl="0" eaLnBrk="1" fontAlgn="auto" latinLnBrk="1" hangingPunct="1">
+                        <a:lnSpc>
+                          <a:spcPct val="100000"/>
+                        </a:lnSpc>
+                        <a:spcBef>
+                          <a:spcPts val="0"/>
+                        </a:spcBef>
+                        <a:spcAft>
+                          <a:spcPts val="0"/>
+                        </a:spcAft>
+                        <a:buClrTx/>
+                        <a:buSzTx/>
+                        <a:buFontTx/>
+                        <a:buNone/>
+                        <a:tabLst/>
+                        <a:defRPr/>
+                      </a:pPr>
+                      <a:endParaRPr lang="en-US" altLang="ko-KR" sz="1100" dirty="0">
+                        <a:highlight>
+                          <a:srgbClr val="FFFF00"/>
+                        </a:highlight>
+                      </a:endParaRPr>
+                    </a:p>
+                    <a:p>
+                      <a:pPr marL="0" marR="0" lvl="0" indent="0" algn="l" defTabSz="811987" rtl="0" eaLnBrk="1" fontAlgn="auto" latinLnBrk="1" hangingPunct="1">
+                        <a:lnSpc>
+                          <a:spcPct val="100000"/>
+                        </a:lnSpc>
+                        <a:spcBef>
+                          <a:spcPts val="0"/>
+                        </a:spcBef>
+                        <a:spcAft>
+                          <a:spcPts val="0"/>
+                        </a:spcAft>
+                        <a:buClrTx/>
+                        <a:buSzTx/>
+                        <a:buFontTx/>
+                        <a:buNone/>
+                        <a:tabLst/>
+                        <a:defRPr/>
+                      </a:pPr>
+                      <a:r>
+                        <a:rPr lang="en-US" altLang="ko-KR" sz="1100" dirty="0" err="1">
+                          <a:highlight>
+                            <a:srgbClr val="FFFF00"/>
+                          </a:highlight>
+                        </a:rPr>
+                        <a:t>CourseList.php</a:t>
+                      </a:r>
+                      <a:endParaRPr lang="en-US" altLang="ko-KR" sz="1100" dirty="0">
+                        <a:highlight>
+                          <a:srgbClr val="FFFF00"/>
+                        </a:highlight>
+                      </a:endParaRPr>
+                    </a:p>
+                    <a:p>
+                      <a:pPr latinLnBrk="1"/>
+                      <a:endParaRPr lang="en-US" altLang="ko-KR" sz="1100" dirty="0"/>
+                    </a:p>
+                    <a:p>
+                      <a:pPr latinLnBrk="1"/>
+                      <a:endParaRPr lang="en-US" altLang="ko-KR" sz="1100" dirty="0"/>
+                    </a:p>
+                    <a:p>
+                      <a:pPr marL="0" marR="0" lvl="0" indent="0" algn="l" defTabSz="811987" rtl="0" eaLnBrk="1" fontAlgn="auto" latinLnBrk="1" hangingPunct="1">
+                        <a:lnSpc>
+                          <a:spcPct val="100000"/>
+                        </a:lnSpc>
+                        <a:spcBef>
+                          <a:spcPts val="0"/>
+                        </a:spcBef>
+                        <a:spcAft>
+                          <a:spcPts val="0"/>
+                        </a:spcAft>
+                        <a:buClrTx/>
+                        <a:buSzTx/>
+                        <a:buFontTx/>
+                        <a:buNone/>
+                        <a:tabLst/>
+                        <a:defRPr/>
+                      </a:pPr>
+                      <a:endParaRPr lang="en-US" altLang="ko-KR" sz="1100" dirty="0">
+                        <a:highlight>
+                          <a:srgbClr val="FFFF00"/>
+                        </a:highlight>
+                      </a:endParaRPr>
+                    </a:p>
+                    <a:p>
+                      <a:pPr marL="0" marR="0" lvl="0" indent="0" algn="l" defTabSz="811987" rtl="0" eaLnBrk="1" fontAlgn="auto" latinLnBrk="1" hangingPunct="1">
+                        <a:lnSpc>
+                          <a:spcPct val="100000"/>
+                        </a:lnSpc>
+                        <a:spcBef>
+                          <a:spcPts val="0"/>
+                        </a:spcBef>
+                        <a:spcAft>
+                          <a:spcPts val="0"/>
+                        </a:spcAft>
+                        <a:buClrTx/>
+                        <a:buSzTx/>
+                        <a:buFontTx/>
+                        <a:buNone/>
+                        <a:tabLst/>
+                        <a:defRPr/>
+                      </a:pPr>
+                      <a:r>
+                        <a:rPr lang="en-US" altLang="ko-KR" sz="1100" dirty="0" err="1">
+                          <a:highlight>
+                            <a:srgbClr val="FFFF00"/>
+                          </a:highlight>
+                        </a:rPr>
+                        <a:t>CopList.php</a:t>
+                      </a:r>
+                      <a:endParaRPr lang="en-US" altLang="ko-KR" sz="1100" dirty="0">
+                        <a:highlight>
+                          <a:srgbClr val="FFFF00"/>
+                        </a:highlight>
+                      </a:endParaRPr>
+                    </a:p>
+                    <a:p>
+                      <a:pPr latinLnBrk="1"/>
+                      <a:endParaRPr lang="ko-KR" altLang="en-US" sz="1100" dirty="0"/>
+                    </a:p>
+                  </a:txBody>
+                  <a:tcPr/>
+                </a:tc>
+                <a:extLst>
+                  <a:ext uri="{0D108BD9-81ED-4DB2-BD59-A6C34878D82A}">
+                    <a16:rowId xmlns:a16="http://schemas.microsoft.com/office/drawing/2014/main" val="121549146"/>
+                  </a:ext>
+                </a:extLst>
+              </a:tr>
+              <a:tr h="308172">
+                <a:tc>
+                  <a:txBody>
+                    <a:bodyPr/>
+                    <a:lstStyle/>
+                    <a:p>
+                      <a:pPr latinLnBrk="1"/>
+                      <a:endParaRPr lang="ko-KR" altLang="en-US" sz="1100" dirty="0"/>
+                    </a:p>
+                  </a:txBody>
+                  <a:tcPr/>
+                </a:tc>
+                <a:tc>
+                  <a:txBody>
+                    <a:bodyPr/>
+                    <a:lstStyle/>
+                    <a:p>
+                      <a:pPr marL="0" marR="0" lvl="0" indent="0" algn="l" defTabSz="811987" rtl="0" eaLnBrk="1" fontAlgn="auto" latinLnBrk="1" hangingPunct="1">
+                        <a:lnSpc>
+                          <a:spcPct val="100000"/>
+                        </a:lnSpc>
+                        <a:spcBef>
+                          <a:spcPts val="0"/>
+                        </a:spcBef>
+                        <a:spcAft>
+                          <a:spcPts val="0"/>
+                        </a:spcAft>
+                        <a:buClrTx/>
+                        <a:buSzTx/>
+                        <a:buFontTx/>
+                        <a:buNone/>
+                        <a:tabLst/>
+                        <a:defRPr/>
+                      </a:pPr>
+                      <a:r>
+                        <a:rPr lang="en-US" altLang="ko-KR" sz="1100" dirty="0"/>
+                        <a:t>Cop Fragment</a:t>
+                      </a:r>
+                      <a:endParaRPr lang="ko-KR" altLang="en-US" sz="1100" dirty="0"/>
+                    </a:p>
+                  </a:txBody>
+                  <a:tcPr/>
+                </a:tc>
+                <a:tc>
+                  <a:txBody>
+                    <a:bodyPr/>
+                    <a:lstStyle/>
+                    <a:p>
+                      <a:pPr latinLnBrk="1"/>
+                      <a:endParaRPr lang="ko-KR" altLang="en-US" sz="1100" dirty="0"/>
+                    </a:p>
+                  </a:txBody>
+                  <a:tcPr/>
+                </a:tc>
+                <a:tc>
+                  <a:txBody>
+                    <a:bodyPr/>
+                    <a:lstStyle/>
+                    <a:p>
+                      <a:pPr marL="0" marR="0" lvl="0" indent="0" algn="l" defTabSz="811987" rtl="0" eaLnBrk="1" fontAlgn="auto" latinLnBrk="1" hangingPunct="1">
+                        <a:lnSpc>
+                          <a:spcPct val="100000"/>
+                        </a:lnSpc>
+                        <a:spcBef>
+                          <a:spcPts val="0"/>
+                        </a:spcBef>
+                        <a:spcAft>
+                          <a:spcPts val="0"/>
+                        </a:spcAft>
+                        <a:buClrTx/>
+                        <a:buSzTx/>
+                        <a:buFontTx/>
+                        <a:buNone/>
+                        <a:tabLst/>
+                        <a:defRPr/>
+                      </a:pPr>
+                      <a:r>
+                        <a:rPr lang="en-US" altLang="ko-KR" sz="1100" dirty="0" err="1">
+                          <a:highlight>
+                            <a:srgbClr val="FFFF00"/>
+                          </a:highlight>
+                        </a:rPr>
+                        <a:t>CopRank.php</a:t>
+                      </a:r>
+                      <a:endParaRPr lang="en-US" altLang="ko-KR" sz="1100" dirty="0">
+                        <a:highlight>
+                          <a:srgbClr val="FFFF00"/>
+                        </a:highlight>
+                      </a:endParaRPr>
+                    </a:p>
+                  </a:txBody>
+                  <a:tcPr/>
+                </a:tc>
+                <a:extLst>
+                  <a:ext uri="{0D108BD9-81ED-4DB2-BD59-A6C34878D82A}">
+                    <a16:rowId xmlns:a16="http://schemas.microsoft.com/office/drawing/2014/main" val="3124688977"/>
+                  </a:ext>
+                </a:extLst>
+              </a:tr>
+              <a:tr h="289243">
+                <a:tc>
+                  <a:txBody>
+                    <a:bodyPr/>
+                    <a:lstStyle/>
+                    <a:p>
+                      <a:pPr latinLnBrk="1"/>
+                      <a:endParaRPr lang="ko-KR" altLang="en-US" sz="1100" dirty="0"/>
+                    </a:p>
+                  </a:txBody>
+                  <a:tcPr/>
+                </a:tc>
+                <a:tc>
+                  <a:txBody>
+                    <a:bodyPr/>
+                    <a:lstStyle/>
+                    <a:p>
+                      <a:r>
+                        <a:rPr lang="en-US" altLang="ko-KR" sz="1100" dirty="0"/>
+                        <a:t>Lecture Info Fragment</a:t>
+                      </a:r>
+                      <a:endParaRPr lang="ko-KR" altLang="en-US" sz="1100" dirty="0"/>
+                    </a:p>
+                  </a:txBody>
+                  <a:tcPr/>
+                </a:tc>
+                <a:tc>
+                  <a:txBody>
+                    <a:bodyPr/>
+                    <a:lstStyle/>
+                    <a:p>
+                      <a:pPr algn="ctr"/>
+                      <a:r>
+                        <a:rPr lang="en-US" altLang="ko-KR" sz="1100" dirty="0">
+                          <a:solidFill>
+                            <a:schemeClr val="accent2">
+                              <a:lumMod val="50000"/>
+                            </a:schemeClr>
+                          </a:solidFill>
+                        </a:rPr>
+                        <a:t>Lecture </a:t>
+                      </a:r>
+                      <a:r>
+                        <a:rPr lang="en-US" altLang="ko-KR" sz="1100" dirty="0" err="1">
+                          <a:solidFill>
+                            <a:schemeClr val="accent2">
+                              <a:lumMod val="50000"/>
+                            </a:schemeClr>
+                          </a:solidFill>
+                        </a:rPr>
+                        <a:t>Iist</a:t>
+                      </a:r>
+                      <a:endParaRPr lang="en-US" altLang="ko-KR" sz="1100" dirty="0">
+                        <a:solidFill>
+                          <a:schemeClr val="accent2">
+                            <a:lumMod val="50000"/>
+                          </a:schemeClr>
+                        </a:solidFill>
+                      </a:endParaRPr>
+                    </a:p>
+                    <a:p>
+                      <a:pPr algn="ctr"/>
+                      <a:r>
+                        <a:rPr lang="en-US" altLang="ko-KR" sz="1100" dirty="0">
+                          <a:solidFill>
+                            <a:schemeClr val="accent2">
+                              <a:lumMod val="50000"/>
+                            </a:schemeClr>
+                          </a:solidFill>
+                        </a:rPr>
+                        <a:t>Adapter</a:t>
+                      </a:r>
+                    </a:p>
+                    <a:p>
+                      <a:pPr algn="ctr"/>
+                      <a:r>
+                        <a:rPr lang="en-US" altLang="ko-KR" sz="1100" dirty="0">
+                          <a:solidFill>
+                            <a:schemeClr val="accent2">
+                              <a:lumMod val="50000"/>
+                            </a:schemeClr>
+                          </a:solidFill>
+                        </a:rPr>
+                        <a:t>.java</a:t>
+                      </a:r>
+                    </a:p>
+                  </a:txBody>
+                  <a:tcPr/>
+                </a:tc>
+                <a:tc>
+                  <a:txBody>
+                    <a:bodyPr/>
+                    <a:lstStyle/>
+                    <a:p>
+                      <a:pPr marL="0" marR="0" lvl="0" indent="0" algn="l" defTabSz="811987" rtl="0" eaLnBrk="1" fontAlgn="auto" latinLnBrk="1" hangingPunct="1">
+                        <a:lnSpc>
+                          <a:spcPct val="100000"/>
+                        </a:lnSpc>
+                        <a:spcBef>
+                          <a:spcPts val="0"/>
+                        </a:spcBef>
+                        <a:spcAft>
+                          <a:spcPts val="0"/>
+                        </a:spcAft>
+                        <a:buClrTx/>
+                        <a:buSzTx/>
+                        <a:buFontTx/>
+                        <a:buNone/>
+                        <a:tabLst/>
+                        <a:defRPr/>
+                      </a:pPr>
+                      <a:r>
+                        <a:rPr lang="en-US" altLang="ko-KR" sz="1100" dirty="0" err="1">
+                          <a:highlight>
+                            <a:srgbClr val="FFFF00"/>
+                          </a:highlight>
+                        </a:rPr>
+                        <a:t>LectureList.php</a:t>
+                      </a:r>
+                      <a:endParaRPr lang="en-US" altLang="ko-KR" sz="1100" dirty="0">
+                        <a:highlight>
+                          <a:srgbClr val="FFFF00"/>
+                        </a:highlight>
+                      </a:endParaRPr>
+                    </a:p>
+                  </a:txBody>
+                  <a:tcPr/>
+                </a:tc>
+                <a:extLst>
+                  <a:ext uri="{0D108BD9-81ED-4DB2-BD59-A6C34878D82A}">
+                    <a16:rowId xmlns:a16="http://schemas.microsoft.com/office/drawing/2014/main" val="2070612016"/>
+                  </a:ext>
+                </a:extLst>
+              </a:tr>
+              <a:tr h="289243">
+                <a:tc>
+                  <a:txBody>
+                    <a:bodyPr/>
+                    <a:lstStyle/>
+                    <a:p>
+                      <a:pPr latinLnBrk="1"/>
+                      <a:endParaRPr lang="ko-KR" altLang="en-US" sz="1100" dirty="0"/>
+                    </a:p>
+                  </a:txBody>
+                  <a:tcPr/>
+                </a:tc>
+                <a:tc>
+                  <a:txBody>
+                    <a:bodyPr/>
+                    <a:lstStyle/>
+                    <a:p>
+                      <a:pPr marL="0" marR="0" lvl="0" indent="0" algn="l" defTabSz="811987" rtl="0" eaLnBrk="1" fontAlgn="auto" latinLnBrk="1" hangingPunct="1">
+                        <a:lnSpc>
+                          <a:spcPct val="100000"/>
+                        </a:lnSpc>
+                        <a:spcBef>
+                          <a:spcPts val="0"/>
+                        </a:spcBef>
+                        <a:spcAft>
+                          <a:spcPts val="0"/>
+                        </a:spcAft>
+                        <a:buClrTx/>
+                        <a:buSzTx/>
+                        <a:buFontTx/>
+                        <a:buNone/>
+                        <a:tabLst/>
+                        <a:defRPr/>
+                      </a:pPr>
+                      <a:r>
+                        <a:rPr lang="en-US" altLang="ko-KR" sz="1100" dirty="0"/>
+                        <a:t>Test Fragment</a:t>
+                      </a:r>
+                      <a:endParaRPr lang="ko-KR" altLang="en-US" sz="1100" dirty="0"/>
+                    </a:p>
+                  </a:txBody>
+                  <a:tcPr/>
+                </a:tc>
+                <a:tc>
+                  <a:txBody>
+                    <a:bodyPr/>
+                    <a:lstStyle/>
+                    <a:p>
+                      <a:pPr latinLnBrk="1"/>
+                      <a:endParaRPr lang="ko-KR" altLang="en-US" sz="1100" dirty="0"/>
+                    </a:p>
+                  </a:txBody>
+                  <a:tcPr/>
+                </a:tc>
+                <a:tc>
+                  <a:txBody>
+                    <a:bodyPr/>
+                    <a:lstStyle/>
+                    <a:p>
+                      <a:pPr marL="0" marR="0" lvl="0" indent="0" algn="l" defTabSz="811987" rtl="0" eaLnBrk="1" fontAlgn="auto" latinLnBrk="1" hangingPunct="1">
+                        <a:lnSpc>
+                          <a:spcPct val="100000"/>
+                        </a:lnSpc>
+                        <a:spcBef>
+                          <a:spcPts val="0"/>
+                        </a:spcBef>
+                        <a:spcAft>
+                          <a:spcPts val="0"/>
+                        </a:spcAft>
+                        <a:buClrTx/>
+                        <a:buSzTx/>
+                        <a:buFontTx/>
+                        <a:buNone/>
+                        <a:tabLst/>
+                        <a:defRPr/>
+                      </a:pPr>
+                      <a:r>
+                        <a:rPr lang="en-US" altLang="ko-KR" sz="1100" dirty="0" err="1">
+                          <a:highlight>
+                            <a:srgbClr val="FFFF00"/>
+                          </a:highlight>
+                        </a:rPr>
+                        <a:t>Test.php</a:t>
+                      </a:r>
+                      <a:endParaRPr lang="en-US" altLang="ko-KR" sz="1100" dirty="0">
+                        <a:highlight>
+                          <a:srgbClr val="FFFF00"/>
+                        </a:highlight>
+                      </a:endParaRPr>
+                    </a:p>
+                  </a:txBody>
+                  <a:tcPr/>
+                </a:tc>
+                <a:extLst>
+                  <a:ext uri="{0D108BD9-81ED-4DB2-BD59-A6C34878D82A}">
+                    <a16:rowId xmlns:a16="http://schemas.microsoft.com/office/drawing/2014/main" val="3865261203"/>
+                  </a:ext>
+                </a:extLst>
+              </a:tr>
+              <a:tr h="289243">
+                <a:tc>
+                  <a:txBody>
+                    <a:bodyPr/>
+                    <a:lstStyle/>
+                    <a:p>
+                      <a:pPr latinLnBrk="1"/>
+                      <a:endParaRPr lang="ko-KR" altLang="en-US" sz="1100" dirty="0"/>
+                    </a:p>
+                  </a:txBody>
+                  <a:tcPr/>
+                </a:tc>
+                <a:tc>
+                  <a:txBody>
+                    <a:bodyPr/>
+                    <a:lstStyle/>
+                    <a:p>
+                      <a:pPr marL="0" marR="0" lvl="0" indent="0" algn="l" defTabSz="811987" rtl="0" eaLnBrk="1" fontAlgn="auto" latinLnBrk="1" hangingPunct="1">
+                        <a:lnSpc>
+                          <a:spcPct val="100000"/>
+                        </a:lnSpc>
+                        <a:spcBef>
+                          <a:spcPts val="0"/>
+                        </a:spcBef>
+                        <a:spcAft>
+                          <a:spcPts val="0"/>
+                        </a:spcAft>
+                        <a:buClrTx/>
+                        <a:buSzTx/>
+                        <a:buFontTx/>
+                        <a:buNone/>
+                        <a:tabLst/>
+                        <a:defRPr/>
+                      </a:pPr>
+                      <a:r>
+                        <a:rPr lang="en-US" altLang="ko-KR" sz="1100" dirty="0"/>
+                        <a:t>Video Play Fragment</a:t>
+                      </a:r>
+                      <a:endParaRPr lang="ko-KR" altLang="en-US" sz="1100" dirty="0"/>
+                    </a:p>
+                  </a:txBody>
+                  <a:tcPr/>
+                </a:tc>
+                <a:tc>
+                  <a:txBody>
+                    <a:bodyPr/>
+                    <a:lstStyle/>
+                    <a:p>
+                      <a:pPr latinLnBrk="1"/>
+                      <a:endParaRPr lang="ko-KR" altLang="en-US" sz="1100" dirty="0"/>
+                    </a:p>
+                  </a:txBody>
+                  <a:tcPr/>
+                </a:tc>
+                <a:tc>
+                  <a:txBody>
+                    <a:bodyPr/>
+                    <a:lstStyle/>
+                    <a:p>
+                      <a:pPr marL="0" marR="0" lvl="0" indent="0" algn="l" defTabSz="811987" rtl="0" eaLnBrk="1" fontAlgn="auto" latinLnBrk="1" hangingPunct="1">
+                        <a:lnSpc>
+                          <a:spcPct val="100000"/>
+                        </a:lnSpc>
+                        <a:spcBef>
+                          <a:spcPts val="0"/>
+                        </a:spcBef>
+                        <a:spcAft>
+                          <a:spcPts val="0"/>
+                        </a:spcAft>
+                        <a:buClrTx/>
+                        <a:buSzTx/>
+                        <a:buFontTx/>
+                        <a:buNone/>
+                        <a:tabLst/>
+                        <a:defRPr/>
+                      </a:pPr>
+                      <a:r>
+                        <a:rPr lang="en-US" altLang="ko-KR" sz="1100" dirty="0" err="1">
+                          <a:highlight>
+                            <a:srgbClr val="FFFF00"/>
+                          </a:highlight>
+                        </a:rPr>
+                        <a:t>VideoPlay.php</a:t>
+                      </a:r>
+                      <a:endParaRPr lang="en-US" altLang="ko-KR" sz="1100" dirty="0">
+                        <a:highlight>
+                          <a:srgbClr val="FFFF00"/>
+                        </a:highlight>
+                      </a:endParaRPr>
+                    </a:p>
+                  </a:txBody>
+                  <a:tcPr/>
+                </a:tc>
+                <a:extLst>
+                  <a:ext uri="{0D108BD9-81ED-4DB2-BD59-A6C34878D82A}">
+                    <a16:rowId xmlns:a16="http://schemas.microsoft.com/office/drawing/2014/main" val="1060204559"/>
+                  </a:ext>
+                </a:extLst>
+              </a:tr>
+              <a:tr h="289243">
+                <a:tc>
+                  <a:txBody>
+                    <a:bodyPr/>
+                    <a:lstStyle/>
+                    <a:p>
+                      <a:pPr latinLnBrk="1"/>
+                      <a:endParaRPr lang="ko-KR" altLang="en-US" sz="1100" dirty="0"/>
+                    </a:p>
+                  </a:txBody>
+                  <a:tcPr/>
+                </a:tc>
+                <a:tc>
+                  <a:txBody>
+                    <a:bodyPr/>
+                    <a:lstStyle/>
+                    <a:p>
+                      <a:pPr marL="0" marR="0" lvl="0" indent="0" algn="l" defTabSz="811987" rtl="0" eaLnBrk="1" fontAlgn="auto" latinLnBrk="1" hangingPunct="1">
+                        <a:lnSpc>
+                          <a:spcPct val="100000"/>
+                        </a:lnSpc>
+                        <a:spcBef>
+                          <a:spcPts val="0"/>
+                        </a:spcBef>
+                        <a:spcAft>
+                          <a:spcPts val="0"/>
+                        </a:spcAft>
+                        <a:buClrTx/>
+                        <a:buSzTx/>
+                        <a:buFontTx/>
+                        <a:buNone/>
+                        <a:tabLst/>
+                        <a:defRPr/>
+                      </a:pPr>
+                      <a:r>
+                        <a:rPr lang="en-US" altLang="ko-KR" sz="1100" dirty="0"/>
+                        <a:t>CoP Info Fragment</a:t>
+                      </a:r>
+                      <a:endParaRPr lang="ko-KR" altLang="en-US" sz="1100" dirty="0"/>
+                    </a:p>
+                  </a:txBody>
+                  <a:tcPr/>
+                </a:tc>
+                <a:tc>
+                  <a:txBody>
+                    <a:bodyPr/>
+                    <a:lstStyle/>
+                    <a:p>
+                      <a:pPr latinLnBrk="1"/>
+                      <a:endParaRPr lang="ko-KR" altLang="en-US" sz="1100" dirty="0"/>
+                    </a:p>
+                  </a:txBody>
+                  <a:tcPr/>
+                </a:tc>
+                <a:tc>
+                  <a:txBody>
+                    <a:bodyPr/>
+                    <a:lstStyle/>
+                    <a:p>
+                      <a:pPr marL="0" marR="0" lvl="0" indent="0" algn="l" defTabSz="811987" rtl="0" eaLnBrk="1" fontAlgn="auto" latinLnBrk="1" hangingPunct="1">
+                        <a:lnSpc>
+                          <a:spcPct val="100000"/>
+                        </a:lnSpc>
+                        <a:spcBef>
+                          <a:spcPts val="0"/>
+                        </a:spcBef>
+                        <a:spcAft>
+                          <a:spcPts val="0"/>
+                        </a:spcAft>
+                        <a:buClrTx/>
+                        <a:buSzTx/>
+                        <a:buFontTx/>
+                        <a:buNone/>
+                        <a:tabLst/>
+                        <a:defRPr/>
+                      </a:pPr>
+                      <a:r>
+                        <a:rPr lang="en-US" altLang="ko-KR" sz="1100" dirty="0" err="1">
+                          <a:highlight>
+                            <a:srgbClr val="FFFF00"/>
+                          </a:highlight>
+                        </a:rPr>
+                        <a:t>CopInfo.php</a:t>
+                      </a:r>
+                      <a:endParaRPr lang="en-US" altLang="ko-KR" sz="1100" dirty="0">
+                        <a:highlight>
+                          <a:srgbClr val="FFFF00"/>
+                        </a:highlight>
+                      </a:endParaRPr>
+                    </a:p>
+                  </a:txBody>
+                  <a:tcPr/>
+                </a:tc>
+                <a:extLst>
+                  <a:ext uri="{0D108BD9-81ED-4DB2-BD59-A6C34878D82A}">
+                    <a16:rowId xmlns:a16="http://schemas.microsoft.com/office/drawing/2014/main" val="1883327265"/>
+                  </a:ext>
+                </a:extLst>
+              </a:tr>
+            </a:tbl>
+          </a:graphicData>
+        </a:graphic>
+      </p:graphicFrame>
+      <p:sp>
+        <p:nvSpPr>
+          <p:cNvPr id="154" name="TextBox 153">
+            <a:extLst>
+              <a:ext uri="{FF2B5EF4-FFF2-40B4-BE49-F238E27FC236}">
+                <a16:creationId xmlns:a16="http://schemas.microsoft.com/office/drawing/2014/main" id="{79E08CC3-F3D2-4958-8733-11048CFADE9C}"/>
+              </a:ext>
+            </a:extLst>
+          </p:cNvPr>
+          <p:cNvSpPr txBox="1"/>
+          <p:nvPr/>
+        </p:nvSpPr>
+        <p:spPr>
+          <a:xfrm>
+            <a:off x="5548109" y="4895119"/>
+            <a:ext cx="822877" cy="215444"/>
+          </a:xfrm>
+          <a:prstGeom prst="rect">
+            <a:avLst/>
+          </a:prstGeom>
+          <a:noFill/>
+        </p:spPr>
+        <p:txBody>
+          <a:bodyPr wrap="square" rtlCol="0">
+            <a:spAutoFit/>
+          </a:bodyPr>
+          <a:lstStyle/>
+          <a:p>
+            <a:r>
+              <a:rPr lang="en-US" altLang="ko-KR" sz="800" dirty="0" err="1">
+                <a:highlight>
+                  <a:srgbClr val="FFFF00"/>
+                </a:highlight>
+              </a:rPr>
+              <a:t>CourseList.php</a:t>
+            </a:r>
+            <a:endParaRPr lang="en-US" altLang="ko-KR" sz="800" dirty="0">
+              <a:highlight>
+                <a:srgbClr val="FFFF00"/>
+              </a:highlight>
+            </a:endParaRPr>
+          </a:p>
+        </p:txBody>
+      </p:sp>
+      <p:sp>
+        <p:nvSpPr>
+          <p:cNvPr id="159" name="직사각형 158">
+            <a:extLst>
+              <a:ext uri="{FF2B5EF4-FFF2-40B4-BE49-F238E27FC236}">
+                <a16:creationId xmlns:a16="http://schemas.microsoft.com/office/drawing/2014/main" id="{4DC70A7F-97FB-4279-8A85-3A66CD535321}"/>
+              </a:ext>
+            </a:extLst>
+          </p:cNvPr>
+          <p:cNvSpPr/>
+          <p:nvPr/>
+        </p:nvSpPr>
+        <p:spPr>
+          <a:xfrm>
+            <a:off x="5618257" y="5100411"/>
+            <a:ext cx="664845" cy="427097"/>
+          </a:xfrm>
+          <a:prstGeom prst="rect">
+            <a:avLst/>
+          </a:prstGeom>
+          <a:noFill/>
+        </p:spPr>
+        <p:style>
+          <a:lnRef idx="2">
+            <a:schemeClr val="accent1">
+              <a:shade val="50000"/>
+            </a:schemeClr>
+          </a:lnRef>
+          <a:fillRef idx="1">
+            <a:schemeClr val="accent1"/>
+          </a:fillRef>
+          <a:effectRef idx="0">
+            <a:schemeClr val="accent1"/>
+          </a:effectRef>
+          <a:fontRef idx="minor">
+            <a:schemeClr val="lt1"/>
+          </a:fontRef>
+        </p:style>
+        <p:txBody>
+          <a:bodyPr rtlCol="0" anchor="ctr"/>
+          <a:lstStyle/>
+          <a:p>
+            <a:pPr algn="ctr"/>
+            <a:r>
+              <a:rPr lang="en-US" altLang="ko-KR" sz="1050" dirty="0">
+                <a:solidFill>
+                  <a:schemeClr val="accent1">
+                    <a:lumMod val="50000"/>
+                  </a:schemeClr>
+                </a:solidFill>
+              </a:rPr>
+              <a:t>Course Item.xml</a:t>
+            </a:r>
+            <a:endParaRPr lang="ko-KR" altLang="en-US" sz="1050" dirty="0">
+              <a:solidFill>
+                <a:schemeClr val="accent1">
+                  <a:lumMod val="50000"/>
+                </a:schemeClr>
+              </a:solidFill>
+            </a:endParaRPr>
+          </a:p>
+        </p:txBody>
+      </p:sp>
+      <p:cxnSp>
+        <p:nvCxnSpPr>
+          <p:cNvPr id="160" name="직선 화살표 연결선 159">
+            <a:extLst>
+              <a:ext uri="{FF2B5EF4-FFF2-40B4-BE49-F238E27FC236}">
+                <a16:creationId xmlns:a16="http://schemas.microsoft.com/office/drawing/2014/main" id="{F1A23565-FBDB-483D-9BA0-20F522923019}"/>
+              </a:ext>
+            </a:extLst>
+          </p:cNvPr>
+          <p:cNvCxnSpPr>
+            <a:cxnSpLocks/>
+          </p:cNvCxnSpPr>
+          <p:nvPr/>
+        </p:nvCxnSpPr>
+        <p:spPr>
+          <a:xfrm flipH="1">
+            <a:off x="5377793" y="5284885"/>
+            <a:ext cx="294345" cy="0"/>
+          </a:xfrm>
+          <a:prstGeom prst="straightConnector1">
+            <a:avLst/>
+          </a:prstGeom>
+          <a:ln>
+            <a:tailEnd type="triangle"/>
+          </a:ln>
+        </p:spPr>
+        <p:style>
+          <a:lnRef idx="1">
+            <a:schemeClr val="accent1"/>
+          </a:lnRef>
+          <a:fillRef idx="0">
+            <a:schemeClr val="accent1"/>
+          </a:fillRef>
+          <a:effectRef idx="0">
+            <a:schemeClr val="accent1"/>
+          </a:effectRef>
+          <a:fontRef idx="minor">
+            <a:schemeClr val="tx1"/>
+          </a:fontRef>
+        </p:style>
+      </p:cxnSp>
     </p:spTree>
     <p:extLst>
       <p:ext uri="{BB962C8B-B14F-4D97-AF65-F5344CB8AC3E}">

--- a/앱 구현 예시.pptx
+++ b/앱 구현 예시.pptx
@@ -5319,7 +5319,7 @@
                   </a:schemeClr>
                 </a:solidFill>
               </a:rPr>
-              <a:t>recentLecture</a:t>
+              <a:t>recentCourseAdapter</a:t>
             </a:r>
             <a:endParaRPr lang="en-US" altLang="ko-KR" sz="1050" dirty="0">
               <a:solidFill>
@@ -5328,19 +5328,6 @@
                 </a:schemeClr>
               </a:solidFill>
             </a:endParaRPr>
-          </a:p>
-          <a:p>
-            <a:pPr algn="ctr"/>
-            <a:r>
-              <a:rPr lang="en-US" altLang="ko-KR" sz="1050" dirty="0">
-                <a:solidFill>
-                  <a:schemeClr val="accent2">
-                    <a:lumMod val="50000"/>
-                  </a:schemeClr>
-                </a:solidFill>
-              </a:rPr>
-              <a:t>Adapter</a:t>
-            </a:r>
           </a:p>
           <a:p>
             <a:pPr algn="ctr"/>
@@ -8120,7 +8107,7 @@
                   </a:schemeClr>
                 </a:solidFill>
               </a:rPr>
-              <a:t>CoP Item.xml</a:t>
+              <a:t>Course Item.xml</a:t>
             </a:r>
             <a:endParaRPr lang="ko-KR" altLang="en-US" sz="1050" dirty="0">
               <a:solidFill>
@@ -9058,14 +9045,14 @@
           <p:nvPr>
             <p:extLst>
               <p:ext uri="{D42A27DB-BD31-4B8C-83A1-F6EECF244321}">
-                <p14:modId xmlns:p14="http://schemas.microsoft.com/office/powerpoint/2010/main" val="140890928"/>
+                <p14:modId xmlns:p14="http://schemas.microsoft.com/office/powerpoint/2010/main" val="2657526314"/>
               </p:ext>
             </p:extLst>
           </p:nvPr>
         </p:nvGraphicFramePr>
         <p:xfrm>
           <a:off x="8244977" y="3575311"/>
-          <a:ext cx="5787674" cy="4833184"/>
+          <a:ext cx="5787674" cy="6370003"/>
         </p:xfrm>
         <a:graphic>
           <a:graphicData uri="http://schemas.openxmlformats.org/drawingml/2006/table">
@@ -9088,14 +9075,14 @@
                     </a:ext>
                   </a:extLst>
                 </a:gridCol>
-                <a:gridCol w="1432505">
+                <a:gridCol w="1443459">
                   <a:extLst>
                     <a:ext uri="{9D8B030D-6E8A-4147-A177-3AD203B41FA5}">
                       <a16:colId xmlns:a16="http://schemas.microsoft.com/office/drawing/2014/main" val="2258024525"/>
                     </a:ext>
                   </a:extLst>
                 </a:gridCol>
-                <a:gridCol w="1432505">
+                <a:gridCol w="1421551">
                   <a:extLst>
                     <a:ext uri="{9D8B030D-6E8A-4147-A177-3AD203B41FA5}">
                       <a16:colId xmlns:a16="http://schemas.microsoft.com/office/drawing/2014/main" val="3818948670"/>
@@ -9312,7 +9299,7 @@
                             </a:schemeClr>
                           </a:solidFill>
                         </a:rPr>
-                        <a:t>recentLecture</a:t>
+                        <a:t>recentCourseAdapter</a:t>
                       </a:r>
                       <a:endParaRPr lang="en-US" altLang="ko-KR" sz="1100" dirty="0">
                         <a:solidFill>
@@ -9321,19 +9308,6 @@
                           </a:schemeClr>
                         </a:solidFill>
                       </a:endParaRPr>
-                    </a:p>
-                    <a:p>
-                      <a:pPr algn="ctr"/>
-                      <a:r>
-                        <a:rPr lang="en-US" altLang="ko-KR" sz="1100" dirty="0">
-                          <a:solidFill>
-                            <a:schemeClr val="accent2">
-                              <a:lumMod val="50000"/>
-                            </a:schemeClr>
-                          </a:solidFill>
-                        </a:rPr>
-                        <a:t>Adapter</a:t>
-                      </a:r>
                     </a:p>
                     <a:p>
                       <a:pPr algn="ctr"/>
@@ -9406,16 +9380,120 @@
                         <a:defRPr/>
                       </a:pPr>
                       <a:r>
+                        <a:rPr lang="en-US" altLang="ko-KR" sz="1100" dirty="0"/>
+                        <a:t>    - Get </a:t>
+                      </a:r>
+                      <a:r>
+                        <a:rPr lang="en-US" altLang="ko-KR" sz="1100" dirty="0" err="1"/>
+                        <a:t>LectureRoom</a:t>
+                      </a:r>
+                      <a:r>
+                        <a:rPr lang="en-US" altLang="ko-KR" sz="1100" dirty="0"/>
+                        <a:t> </a:t>
+                      </a:r>
+                      <a:r>
+                        <a:rPr lang="en-US" altLang="ko-KR" sz="1100" dirty="0">
+                          <a:highlight>
+                            <a:srgbClr val="C0C0C0"/>
+                          </a:highlight>
+                        </a:rPr>
+                        <a:t>with </a:t>
+                      </a:r>
+                      <a:r>
+                        <a:rPr lang="en-US" altLang="ko-KR" sz="1100" dirty="0" err="1">
+                          <a:highlight>
+                            <a:srgbClr val="C0C0C0"/>
+                          </a:highlight>
+                        </a:rPr>
+                        <a:t>UserName</a:t>
+                      </a:r>
+                      <a:endParaRPr lang="en-US" altLang="ko-KR" sz="1100" dirty="0">
+                        <a:highlight>
+                          <a:srgbClr val="C0C0C0"/>
+                        </a:highlight>
+                      </a:endParaRPr>
+                    </a:p>
+                    <a:p>
+                      <a:pPr marL="0" marR="0" lvl="0" indent="0" algn="l" defTabSz="811987" rtl="0" eaLnBrk="1" fontAlgn="auto" latinLnBrk="1" hangingPunct="1">
+                        <a:lnSpc>
+                          <a:spcPct val="100000"/>
+                        </a:lnSpc>
+                        <a:spcBef>
+                          <a:spcPts val="0"/>
+                        </a:spcBef>
+                        <a:spcAft>
+                          <a:spcPts val="0"/>
+                        </a:spcAft>
+                        <a:buClrTx/>
+                        <a:buSzTx/>
+                        <a:buFontTx/>
+                        <a:buNone/>
+                        <a:tabLst/>
+                        <a:defRPr/>
+                      </a:pPr>
+                      <a:r>
                         <a:rPr lang="en-US" altLang="ko-KR" sz="1100" dirty="0" err="1">
                           <a:highlight>
                             <a:srgbClr val="FFFF00"/>
                           </a:highlight>
                         </a:rPr>
-                        <a:t>recentLectureList.php</a:t>
+                        <a:t>recentCourseList.php</a:t>
                       </a:r>
                       <a:endParaRPr lang="en-US" altLang="ko-KR" sz="1100" dirty="0">
                         <a:highlight>
                           <a:srgbClr val="FFFF00"/>
+                        </a:highlight>
+                      </a:endParaRPr>
+                    </a:p>
+                    <a:p>
+                      <a:pPr marL="0" marR="0" lvl="0" indent="0" algn="l" defTabSz="811987" rtl="0" eaLnBrk="1" fontAlgn="auto" latinLnBrk="1" hangingPunct="1">
+                        <a:lnSpc>
+                          <a:spcPct val="100000"/>
+                        </a:lnSpc>
+                        <a:spcBef>
+                          <a:spcPts val="0"/>
+                        </a:spcBef>
+                        <a:spcAft>
+                          <a:spcPts val="0"/>
+                        </a:spcAft>
+                        <a:buClrTx/>
+                        <a:buSzTx/>
+                        <a:buFontTx/>
+                        <a:buNone/>
+                        <a:tabLst/>
+                        <a:defRPr/>
+                      </a:pPr>
+                      <a:r>
+                        <a:rPr lang="en-US" altLang="ko-KR" sz="1100" dirty="0"/>
+                        <a:t>    - Get </a:t>
+                      </a:r>
+                      <a:r>
+                        <a:rPr lang="en-US" altLang="ko-KR" sz="1100" dirty="0" err="1"/>
+                        <a:t>CourseList</a:t>
+                      </a:r>
+                      <a:r>
+                        <a:rPr lang="en-US" altLang="ko-KR" sz="1100" dirty="0"/>
+                        <a:t> </a:t>
+                      </a:r>
+                      <a:r>
+                        <a:rPr lang="en-US" altLang="ko-KR" sz="1100" dirty="0">
+                          <a:highlight>
+                            <a:srgbClr val="C0C0C0"/>
+                          </a:highlight>
+                        </a:rPr>
+                        <a:t>with </a:t>
+                      </a:r>
+                      <a:r>
+                        <a:rPr lang="en-US" altLang="ko-KR" sz="1100" dirty="0" err="1">
+                          <a:highlight>
+                            <a:srgbClr val="C0C0C0"/>
+                          </a:highlight>
+                        </a:rPr>
+                        <a:t>UserRecentList</a:t>
+                      </a:r>
+                      <a:endParaRPr lang="en-US" altLang="ko-KR" sz="1100" dirty="0">
+                        <a:highlight>
+                          <a:srgbClr val="C0C0C0"/>
                         </a:highlight>
                       </a:endParaRPr>
                     </a:p>
@@ -9633,6 +9711,29 @@
                           <a:srgbClr val="FFFF00"/>
                         </a:highlight>
                       </a:endParaRPr>
+                    </a:p>
+                    <a:p>
+                      <a:pPr marL="0" marR="0" lvl="0" indent="0" algn="l" defTabSz="811987" rtl="0" eaLnBrk="1" fontAlgn="auto" latinLnBrk="1" hangingPunct="1">
+                        <a:lnSpc>
+                          <a:spcPct val="100000"/>
+                        </a:lnSpc>
+                        <a:spcBef>
+                          <a:spcPts val="0"/>
+                        </a:spcBef>
+                        <a:spcAft>
+                          <a:spcPts val="0"/>
+                        </a:spcAft>
+                        <a:buClrTx/>
+                        <a:buSzTx/>
+                        <a:buFontTx/>
+                        <a:buNone/>
+                        <a:tabLst/>
+                        <a:defRPr/>
+                      </a:pPr>
+                      <a:r>
+                        <a:rPr lang="en-US" altLang="ko-KR" sz="1100" dirty="0"/>
+                        <a:t>    - Get Tag</a:t>
+                      </a:r>
                     </a:p>
                     <a:p>
                       <a:pPr marL="0" marR="0" lvl="0" indent="0" algn="l" defTabSz="811987" rtl="0" eaLnBrk="1" fontAlgn="auto" latinLnBrk="1" hangingPunct="1">
@@ -9700,6 +9801,14 @@
                         <a:tabLst/>
                         <a:defRPr/>
                       </a:pPr>
+                      <a:r>
+                        <a:rPr lang="en-US" altLang="ko-KR" sz="1100" dirty="0" err="1">
+                          <a:highlight>
+                            <a:srgbClr val="FFFF00"/>
+                          </a:highlight>
+                        </a:rPr>
+                        <a:t>CourseList.php</a:t>
+                      </a:r>
                       <a:endParaRPr lang="en-US" altLang="ko-KR" sz="1100" dirty="0">
                         <a:highlight>
                           <a:srgbClr val="FFFF00"/>
@@ -9707,43 +9816,30 @@
                       </a:endParaRPr>
                     </a:p>
                     <a:p>
-                      <a:pPr marL="0" marR="0" lvl="0" indent="0" algn="l" defTabSz="811987" rtl="0" eaLnBrk="1" fontAlgn="auto" latinLnBrk="1" hangingPunct="1">
-                        <a:lnSpc>
-                          <a:spcPct val="100000"/>
-                        </a:lnSpc>
-                        <a:spcBef>
-                          <a:spcPts val="0"/>
-                        </a:spcBef>
-                        <a:spcAft>
-                          <a:spcPts val="0"/>
-                        </a:spcAft>
-                        <a:buClrTx/>
-                        <a:buSzTx/>
-                        <a:buFontTx/>
-                        <a:buNone/>
-                        <a:tabLst/>
-                        <a:defRPr/>
-                      </a:pPr>
-                      <a:r>
-                        <a:rPr lang="en-US" altLang="ko-KR" sz="1100" dirty="0" err="1">
+                      <a:pPr algn="l" latinLnBrk="1"/>
+                      <a:r>
+                        <a:rPr lang="en-US" altLang="ko-KR" sz="1100" dirty="0"/>
+                        <a:t>    - Get </a:t>
+                      </a:r>
+                      <a:r>
+                        <a:rPr lang="en-US" altLang="ko-KR" sz="1100" dirty="0" err="1"/>
+                        <a:t>CourseList</a:t>
+                      </a:r>
+                      <a:r>
+                        <a:rPr lang="en-US" altLang="ko-KR" sz="1100" dirty="0"/>
+                        <a:t> </a:t>
+                      </a:r>
+                      <a:r>
+                        <a:rPr lang="en-US" altLang="ko-KR" sz="1100" dirty="0">
                           <a:highlight>
-                            <a:srgbClr val="FFFF00"/>
+                            <a:srgbClr val="C0C0C0"/>
                           </a:highlight>
                         </a:rPr>
-                        <a:t>CourseList.php</a:t>
-                      </a:r>
-                      <a:endParaRPr lang="en-US" altLang="ko-KR" sz="1100" dirty="0">
-                        <a:highlight>
-                          <a:srgbClr val="FFFF00"/>
-                        </a:highlight>
-                      </a:endParaRPr>
+                        <a:t>with Selected Tag</a:t>
+                      </a:r>
                     </a:p>
                     <a:p>
-                      <a:pPr latinLnBrk="1"/>
-                      <a:endParaRPr lang="en-US" altLang="ko-KR" sz="1100" dirty="0"/>
-                    </a:p>
-                    <a:p>
-                      <a:pPr latinLnBrk="1"/>
+                      <a:pPr algn="l" latinLnBrk="1"/>
                       <a:endParaRPr lang="en-US" altLang="ko-KR" sz="1100" dirty="0"/>
                     </a:p>
                     <a:p>
@@ -9803,7 +9899,19 @@
                       </a:endParaRPr>
                     </a:p>
                     <a:p>
-                      <a:pPr latinLnBrk="1"/>
+                      <a:pPr algn="l" latinLnBrk="1"/>
+                      <a:r>
+                        <a:rPr lang="ko-KR" altLang="en-US" sz="1100" dirty="0"/>
+                        <a:t>     </a:t>
+                      </a:r>
+                      <a:r>
+                        <a:rPr lang="en-US" altLang="ko-KR" sz="1100" dirty="0"/>
+                        <a:t>- Get  </a:t>
+                      </a:r>
+                      <a:r>
+                        <a:rPr lang="en-US" altLang="ko-KR" sz="1100" dirty="0" err="1"/>
+                        <a:t>CopList</a:t>
+                      </a:r>
                       <a:endParaRPr lang="ko-KR" altLang="en-US" sz="1100" dirty="0"/>
                     </a:p>
                   </a:txBody>
@@ -9905,6 +10013,34 @@
                         </a:highlight>
                       </a:endParaRPr>
                     </a:p>
+                    <a:p>
+                      <a:pPr marL="0" marR="0" lvl="0" indent="0" algn="l" defTabSz="811987" rtl="0" eaLnBrk="1" fontAlgn="auto" latinLnBrk="1" hangingPunct="1">
+                        <a:lnSpc>
+                          <a:spcPct val="100000"/>
+                        </a:lnSpc>
+                        <a:spcBef>
+                          <a:spcPts val="0"/>
+                        </a:spcBef>
+                        <a:spcAft>
+                          <a:spcPts val="0"/>
+                        </a:spcAft>
+                        <a:buClrTx/>
+                        <a:buSzTx/>
+                        <a:buFontTx/>
+                        <a:buNone/>
+                        <a:tabLst/>
+                        <a:defRPr/>
+                      </a:pPr>
+                      <a:r>
+                        <a:rPr lang="en-US" altLang="ko-KR" sz="1100" dirty="0"/>
+                        <a:t>     - GET </a:t>
+                      </a:r>
+                      <a:r>
+                        <a:rPr lang="en-US" altLang="ko-KR" sz="1100" dirty="0" err="1"/>
+                        <a:t>CopRank</a:t>
+                      </a:r>
+                      <a:endParaRPr lang="en-US" altLang="ko-KR" sz="1100" dirty="0"/>
+                    </a:p>
                   </a:txBody>
                   <a:tcPr/>
                 </a:tc>
@@ -9933,7 +10069,7 @@
                     <a:p>
                       <a:r>
                         <a:rPr lang="en-US" altLang="ko-KR" sz="1100" dirty="0"/>
-                        <a:t>Lecture Info Fragment</a:t>
+                        <a:t>Course Info Fragment</a:t>
                       </a:r>
                       <a:endParaRPr lang="ko-KR" altLang="en-US" sz="1100" dirty="0"/>
                     </a:p>
@@ -10038,6 +10174,45 @@
                           <a:srgbClr val="FFFF00"/>
                         </a:highlight>
                       </a:endParaRPr>
+                    </a:p>
+                    <a:p>
+                      <a:pPr marL="0" marR="0" lvl="0" indent="0" algn="l" defTabSz="811987" rtl="0" eaLnBrk="1" fontAlgn="auto" latinLnBrk="1" hangingPunct="1">
+                        <a:lnSpc>
+                          <a:spcPct val="100000"/>
+                        </a:lnSpc>
+                        <a:spcBef>
+                          <a:spcPts val="0"/>
+                        </a:spcBef>
+                        <a:spcAft>
+                          <a:spcPts val="0"/>
+                        </a:spcAft>
+                        <a:buClrTx/>
+                        <a:buSzTx/>
+                        <a:buFontTx/>
+                        <a:buNone/>
+                        <a:tabLst/>
+                        <a:defRPr/>
+                      </a:pPr>
+                      <a:r>
+                        <a:rPr lang="en-US" altLang="ko-KR" sz="1100" dirty="0"/>
+                        <a:t>    -  Get </a:t>
+                      </a:r>
+                      <a:r>
+                        <a:rPr lang="en-US" altLang="ko-KR" sz="1100" dirty="0" err="1"/>
+                        <a:t>LectureList</a:t>
+                      </a:r>
+                      <a:r>
+                        <a:rPr lang="en-US" altLang="ko-KR" sz="1100" dirty="0"/>
+                        <a:t> </a:t>
+                      </a:r>
+                      <a:r>
+                        <a:rPr lang="en-US" altLang="ko-KR" sz="1100" dirty="0">
+                          <a:highlight>
+                            <a:srgbClr val="C0C0C0"/>
+                          </a:highlight>
+                        </a:rPr>
+                        <a:t>with Course name</a:t>
+                      </a:r>
                     </a:p>
                   </a:txBody>
                   <a:tcPr/>
@@ -10138,6 +10313,37 @@
                         </a:highlight>
                       </a:endParaRPr>
                     </a:p>
+                    <a:p>
+                      <a:pPr marL="0" marR="0" lvl="0" indent="0" algn="l" defTabSz="811987" rtl="0" eaLnBrk="1" fontAlgn="auto" latinLnBrk="1" hangingPunct="1">
+                        <a:lnSpc>
+                          <a:spcPct val="100000"/>
+                        </a:lnSpc>
+                        <a:spcBef>
+                          <a:spcPts val="0"/>
+                        </a:spcBef>
+                        <a:spcAft>
+                          <a:spcPts val="0"/>
+                        </a:spcAft>
+                        <a:buClrTx/>
+                        <a:buSzTx/>
+                        <a:buFontTx/>
+                        <a:buNone/>
+                        <a:tabLst/>
+                        <a:defRPr/>
+                      </a:pPr>
+                      <a:r>
+                        <a:rPr lang="en-US" altLang="ko-KR" sz="1100" dirty="0"/>
+                        <a:t>    -  Get Test info  </a:t>
+                      </a:r>
+                      <a:r>
+                        <a:rPr lang="en-US" altLang="ko-KR" sz="1100" dirty="0">
+                          <a:highlight>
+                            <a:srgbClr val="C0C0C0"/>
+                          </a:highlight>
+                        </a:rPr>
+                        <a:t>with Course name</a:t>
+                      </a:r>
+                    </a:p>
                   </a:txBody>
                   <a:tcPr/>
                 </a:tc>
@@ -10236,6 +10442,37 @@
                           <a:srgbClr val="FFFF00"/>
                         </a:highlight>
                       </a:endParaRPr>
+                    </a:p>
+                    <a:p>
+                      <a:pPr marL="0" marR="0" lvl="0" indent="0" algn="l" defTabSz="811987" rtl="0" eaLnBrk="1" fontAlgn="auto" latinLnBrk="1" hangingPunct="1">
+                        <a:lnSpc>
+                          <a:spcPct val="100000"/>
+                        </a:lnSpc>
+                        <a:spcBef>
+                          <a:spcPts val="0"/>
+                        </a:spcBef>
+                        <a:spcAft>
+                          <a:spcPts val="0"/>
+                        </a:spcAft>
+                        <a:buClrTx/>
+                        <a:buSzTx/>
+                        <a:buFontTx/>
+                        <a:buNone/>
+                        <a:tabLst/>
+                        <a:defRPr/>
+                      </a:pPr>
+                      <a:r>
+                        <a:rPr lang="en-US" altLang="ko-KR" sz="1100" dirty="0"/>
+                        <a:t>    - Get Video Info </a:t>
+                      </a:r>
+                      <a:r>
+                        <a:rPr lang="en-US" altLang="ko-KR" sz="1100" dirty="0">
+                          <a:highlight>
+                            <a:srgbClr val="C0C0C0"/>
+                          </a:highlight>
+                        </a:rPr>
+                        <a:t>with selected Video</a:t>
+                      </a:r>
                     </a:p>
                   </a:txBody>
                   <a:tcPr/>
@@ -10335,6 +10572,45 @@
                           <a:srgbClr val="FFFF00"/>
                         </a:highlight>
                       </a:endParaRPr>
+                    </a:p>
+                    <a:p>
+                      <a:pPr marL="0" marR="0" lvl="0" indent="0" algn="l" defTabSz="811987" rtl="0" eaLnBrk="1" fontAlgn="auto" latinLnBrk="1" hangingPunct="1">
+                        <a:lnSpc>
+                          <a:spcPct val="100000"/>
+                        </a:lnSpc>
+                        <a:spcBef>
+                          <a:spcPts val="0"/>
+                        </a:spcBef>
+                        <a:spcAft>
+                          <a:spcPts val="0"/>
+                        </a:spcAft>
+                        <a:buClrTx/>
+                        <a:buSzTx/>
+                        <a:buFontTx/>
+                        <a:buNone/>
+                        <a:tabLst/>
+                        <a:defRPr/>
+                      </a:pPr>
+                      <a:r>
+                        <a:rPr lang="en-US" altLang="ko-KR" sz="1100" dirty="0"/>
+                        <a:t>    - Get </a:t>
+                      </a:r>
+                      <a:r>
+                        <a:rPr lang="en-US" altLang="ko-KR" sz="1100" dirty="0" err="1"/>
+                        <a:t>CopInfo</a:t>
+                      </a:r>
+                      <a:r>
+                        <a:rPr lang="en-US" altLang="ko-KR" sz="1100" dirty="0"/>
+                        <a:t> </a:t>
+                      </a:r>
+                      <a:r>
+                        <a:rPr lang="en-US" altLang="ko-KR" sz="1100" dirty="0">
+                          <a:highlight>
+                            <a:srgbClr val="C0C0C0"/>
+                          </a:highlight>
+                        </a:rPr>
+                        <a:t>with selected Cop name</a:t>
+                      </a:r>
                     </a:p>
                   </a:txBody>
                   <a:tcPr/>
